--- a/slides/[0] Intro.pptx
+++ b/slides/[0] Intro.pptx
@@ -112,6 +112,11 @@
       </a:defRPr>
     </a:lvl9pPr>
   </p:defaultTextStyle>
+  <p:extLst>
+    <p:ext uri="{EFAFB233-063F-42B5-8137-9DF3F51BA10A}">
+      <p15:sldGuideLst xmlns:p15="http://schemas.microsoft.com/office/powerpoint/2012/main"/>
+    </p:ext>
+  </p:extLst>
 </p:presentation>
 </file>
 
@@ -888,10 +893,10 @@
         <a:lstStyle/>
         <a:p>
           <a:r>
-            <a:rPr lang="en-AU"/>
+            <a:rPr lang="en-AU" dirty="0"/>
             <a:t>Does it provide a better performance?</a:t>
           </a:r>
-          <a:endParaRPr lang="en-US"/>
+          <a:endParaRPr lang="en-US" dirty="0"/>
         </a:p>
       </dgm:t>
     </dgm:pt>
@@ -1171,10 +1176,10 @@
             <a:buNone/>
           </a:pPr>
           <a:r>
-            <a:rPr lang="en-AU" sz="5000" kern="1200"/>
+            <a:rPr lang="en-AU" sz="5000" kern="1200" dirty="0"/>
             <a:t>Does it provide a better performance?</a:t>
           </a:r>
-          <a:endParaRPr lang="en-US" sz="5000" kern="1200"/>
+          <a:endParaRPr lang="en-US" sz="5000" kern="1200" dirty="0"/>
         </a:p>
       </dsp:txBody>
       <dsp:txXfrm>
@@ -7229,14 +7234,14 @@
           <a:p>
             <a:pPr algn="l"/>
             <a:r>
-              <a:rPr lang="en-US" altLang="zh-TW" sz="4800">
+              <a:rPr lang="en-US" altLang="zh-TW" sz="4800" dirty="0">
                 <a:solidFill>
                   <a:srgbClr val="FFFFFF"/>
                 </a:solidFill>
               </a:rPr>
               <a:t>Multimodal Learning on Chest X-ray diagnosis</a:t>
             </a:r>
-            <a:endParaRPr lang="en-AU" sz="4800">
+            <a:endParaRPr lang="en-AU" sz="4800" dirty="0">
               <a:solidFill>
                 <a:srgbClr val="FFFFFF"/>
               </a:solidFill>
@@ -7685,7 +7690,7 @@
         </p:blipFill>
         <p:spPr>
           <a:xfrm>
-            <a:off x="1282851" y="1966293"/>
+            <a:off x="517494" y="1655276"/>
             <a:ext cx="9626296" cy="4452160"/>
           </a:xfrm>
           <a:prstGeom prst="rect">
@@ -8503,12 +8508,12 @@
           <a:lstStyle/>
           <a:p>
             <a:r>
-              <a:rPr lang="en-AU" sz="3600">
+              <a:rPr lang="en-AU" sz="3600" dirty="0">
                 <a:solidFill>
                   <a:srgbClr val="FFFFFF"/>
                 </a:solidFill>
               </a:rPr>
-              <a:t>The answer we’re trying to answer:</a:t>
+              <a:t>The question we’re trying to answer:</a:t>
             </a:r>
           </a:p>
         </p:txBody>
@@ -10086,7 +10091,7 @@
         </p:blipFill>
         <p:spPr>
           <a:xfrm>
-            <a:off x="1308731" y="1966293"/>
+            <a:off x="1308730" y="2141891"/>
             <a:ext cx="9574536" cy="4452160"/>
           </a:xfrm>
           <a:prstGeom prst="rect">
